--- a/코로나 웹 설계 초안.pptx
+++ b/코로나 웹 설계 초안.pptx
@@ -110,6 +110,11 @@
       </a:defRPr>
     </a:lvl9pPr>
   </p:defaultTextStyle>
+  <p:extLst>
+    <p:ext uri="{EFAFB233-063F-42B5-8137-9DF3F51BA10A}">
+      <p15:sldGuideLst xmlns:p15="http://schemas.microsoft.com/office/powerpoint/2012/main"/>
+    </p:ext>
+  </p:extLst>
 </p:presentation>
 </file>
 
@@ -155,10 +160,9 @@
           </a:lstStyle>
           <a:p>
             <a:r>
-              <a:rPr lang="ko-KR" altLang="en-US" smtClean="0"/>
+              <a:rPr lang="ko-KR" altLang="en-US"/>
               <a:t>마스터 제목 스타일 편집</a:t>
             </a:r>
-            <a:endParaRPr lang="ko-KR" altLang="en-US"/>
           </a:p>
         </p:txBody>
       </p:sp>
@@ -220,10 +224,9 @@
           </a:lstStyle>
           <a:p>
             <a:r>
-              <a:rPr lang="ko-KR" altLang="en-US" smtClean="0"/>
+              <a:rPr lang="ko-KR" altLang="en-US"/>
               <a:t>클릭하여 마스터 부제목 스타일 편집</a:t>
             </a:r>
-            <a:endParaRPr lang="ko-KR" altLang="en-US"/>
           </a:p>
         </p:txBody>
       </p:sp>
@@ -244,7 +247,7 @@
           <a:p>
             <a:fld id="{C4F6CBA0-DC14-4E9C-9B05-184DE4E00CC9}" type="datetimeFigureOut">
               <a:rPr lang="ko-KR" altLang="en-US" smtClean="0"/>
-              <a:t>2020-03-14</a:t>
+              <a:t>2020-03-21</a:t>
             </a:fld>
             <a:endParaRPr lang="ko-KR" altLang="en-US"/>
           </a:p>
@@ -338,10 +341,9 @@
           <a:lstStyle/>
           <a:p>
             <a:r>
-              <a:rPr lang="ko-KR" altLang="en-US" smtClean="0"/>
+              <a:rPr lang="ko-KR" altLang="en-US"/>
               <a:t>마스터 제목 스타일 편집</a:t>
             </a:r>
-            <a:endParaRPr lang="ko-KR" altLang="en-US"/>
           </a:p>
         </p:txBody>
       </p:sp>
@@ -362,38 +364,37 @@
           <a:p>
             <a:pPr lvl="0"/>
             <a:r>
-              <a:rPr lang="ko-KR" altLang="en-US" smtClean="0"/>
+              <a:rPr lang="ko-KR" altLang="en-US"/>
               <a:t>마스터 텍스트 스타일 편집</a:t>
             </a:r>
           </a:p>
           <a:p>
             <a:pPr lvl="1"/>
             <a:r>
-              <a:rPr lang="ko-KR" altLang="en-US" smtClean="0"/>
+              <a:rPr lang="ko-KR" altLang="en-US"/>
               <a:t>둘째 수준</a:t>
             </a:r>
           </a:p>
           <a:p>
             <a:pPr lvl="2"/>
             <a:r>
-              <a:rPr lang="ko-KR" altLang="en-US" smtClean="0"/>
+              <a:rPr lang="ko-KR" altLang="en-US"/>
               <a:t>셋째 수준</a:t>
             </a:r>
           </a:p>
           <a:p>
             <a:pPr lvl="3"/>
             <a:r>
-              <a:rPr lang="ko-KR" altLang="en-US" smtClean="0"/>
+              <a:rPr lang="ko-KR" altLang="en-US"/>
               <a:t>넷째 수준</a:t>
             </a:r>
           </a:p>
           <a:p>
             <a:pPr lvl="4"/>
             <a:r>
-              <a:rPr lang="ko-KR" altLang="en-US" smtClean="0"/>
+              <a:rPr lang="ko-KR" altLang="en-US"/>
               <a:t>다섯째 수준</a:t>
             </a:r>
-            <a:endParaRPr lang="ko-KR" altLang="en-US"/>
           </a:p>
         </p:txBody>
       </p:sp>
@@ -414,7 +415,7 @@
           <a:p>
             <a:fld id="{C4F6CBA0-DC14-4E9C-9B05-184DE4E00CC9}" type="datetimeFigureOut">
               <a:rPr lang="ko-KR" altLang="en-US" smtClean="0"/>
-              <a:t>2020-03-14</a:t>
+              <a:t>2020-03-21</a:t>
             </a:fld>
             <a:endParaRPr lang="ko-KR" altLang="en-US"/>
           </a:p>
@@ -513,10 +514,9 @@
           <a:lstStyle/>
           <a:p>
             <a:r>
-              <a:rPr lang="ko-KR" altLang="en-US" smtClean="0"/>
+              <a:rPr lang="ko-KR" altLang="en-US"/>
               <a:t>마스터 제목 스타일 편집</a:t>
             </a:r>
-            <a:endParaRPr lang="ko-KR" altLang="en-US"/>
           </a:p>
         </p:txBody>
       </p:sp>
@@ -542,38 +542,37 @@
           <a:p>
             <a:pPr lvl="0"/>
             <a:r>
-              <a:rPr lang="ko-KR" altLang="en-US" smtClean="0"/>
+              <a:rPr lang="ko-KR" altLang="en-US"/>
               <a:t>마스터 텍스트 스타일 편집</a:t>
             </a:r>
           </a:p>
           <a:p>
             <a:pPr lvl="1"/>
             <a:r>
-              <a:rPr lang="ko-KR" altLang="en-US" smtClean="0"/>
+              <a:rPr lang="ko-KR" altLang="en-US"/>
               <a:t>둘째 수준</a:t>
             </a:r>
           </a:p>
           <a:p>
             <a:pPr lvl="2"/>
             <a:r>
-              <a:rPr lang="ko-KR" altLang="en-US" smtClean="0"/>
+              <a:rPr lang="ko-KR" altLang="en-US"/>
               <a:t>셋째 수준</a:t>
             </a:r>
           </a:p>
           <a:p>
             <a:pPr lvl="3"/>
             <a:r>
-              <a:rPr lang="ko-KR" altLang="en-US" smtClean="0"/>
+              <a:rPr lang="ko-KR" altLang="en-US"/>
               <a:t>넷째 수준</a:t>
             </a:r>
           </a:p>
           <a:p>
             <a:pPr lvl="4"/>
             <a:r>
-              <a:rPr lang="ko-KR" altLang="en-US" smtClean="0"/>
+              <a:rPr lang="ko-KR" altLang="en-US"/>
               <a:t>다섯째 수준</a:t>
             </a:r>
-            <a:endParaRPr lang="ko-KR" altLang="en-US"/>
           </a:p>
         </p:txBody>
       </p:sp>
@@ -594,7 +593,7 @@
           <a:p>
             <a:fld id="{C4F6CBA0-DC14-4E9C-9B05-184DE4E00CC9}" type="datetimeFigureOut">
               <a:rPr lang="ko-KR" altLang="en-US" smtClean="0"/>
-              <a:t>2020-03-14</a:t>
+              <a:t>2020-03-21</a:t>
             </a:fld>
             <a:endParaRPr lang="ko-KR" altLang="en-US"/>
           </a:p>
@@ -688,10 +687,9 @@
           <a:lstStyle/>
           <a:p>
             <a:r>
-              <a:rPr lang="ko-KR" altLang="en-US" smtClean="0"/>
+              <a:rPr lang="ko-KR" altLang="en-US"/>
               <a:t>마스터 제목 스타일 편집</a:t>
             </a:r>
-            <a:endParaRPr lang="ko-KR" altLang="en-US"/>
           </a:p>
         </p:txBody>
       </p:sp>
@@ -712,38 +710,37 @@
           <a:p>
             <a:pPr lvl="0"/>
             <a:r>
-              <a:rPr lang="ko-KR" altLang="en-US" smtClean="0"/>
+              <a:rPr lang="ko-KR" altLang="en-US"/>
               <a:t>마스터 텍스트 스타일 편집</a:t>
             </a:r>
           </a:p>
           <a:p>
             <a:pPr lvl="1"/>
             <a:r>
-              <a:rPr lang="ko-KR" altLang="en-US" smtClean="0"/>
+              <a:rPr lang="ko-KR" altLang="en-US"/>
               <a:t>둘째 수준</a:t>
             </a:r>
           </a:p>
           <a:p>
             <a:pPr lvl="2"/>
             <a:r>
-              <a:rPr lang="ko-KR" altLang="en-US" smtClean="0"/>
+              <a:rPr lang="ko-KR" altLang="en-US"/>
               <a:t>셋째 수준</a:t>
             </a:r>
           </a:p>
           <a:p>
             <a:pPr lvl="3"/>
             <a:r>
-              <a:rPr lang="ko-KR" altLang="en-US" smtClean="0"/>
+              <a:rPr lang="ko-KR" altLang="en-US"/>
               <a:t>넷째 수준</a:t>
             </a:r>
           </a:p>
           <a:p>
             <a:pPr lvl="4"/>
             <a:r>
-              <a:rPr lang="ko-KR" altLang="en-US" smtClean="0"/>
+              <a:rPr lang="ko-KR" altLang="en-US"/>
               <a:t>다섯째 수준</a:t>
             </a:r>
-            <a:endParaRPr lang="ko-KR" altLang="en-US"/>
           </a:p>
         </p:txBody>
       </p:sp>
@@ -764,7 +761,7 @@
           <a:p>
             <a:fld id="{C4F6CBA0-DC14-4E9C-9B05-184DE4E00CC9}" type="datetimeFigureOut">
               <a:rPr lang="ko-KR" altLang="en-US" smtClean="0"/>
-              <a:t>2020-03-14</a:t>
+              <a:t>2020-03-21</a:t>
             </a:fld>
             <a:endParaRPr lang="ko-KR" altLang="en-US"/>
           </a:p>
@@ -867,10 +864,9 @@
           </a:lstStyle>
           <a:p>
             <a:r>
-              <a:rPr lang="ko-KR" altLang="en-US" smtClean="0"/>
+              <a:rPr lang="ko-KR" altLang="en-US"/>
               <a:t>마스터 제목 스타일 편집</a:t>
             </a:r>
-            <a:endParaRPr lang="ko-KR" altLang="en-US"/>
           </a:p>
         </p:txBody>
       </p:sp>
@@ -987,7 +983,7 @@
           <a:p>
             <a:pPr lvl="0"/>
             <a:r>
-              <a:rPr lang="ko-KR" altLang="en-US" smtClean="0"/>
+              <a:rPr lang="ko-KR" altLang="en-US"/>
               <a:t>마스터 텍스트 스타일 편집</a:t>
             </a:r>
           </a:p>
@@ -1010,7 +1006,7 @@
           <a:p>
             <a:fld id="{C4F6CBA0-DC14-4E9C-9B05-184DE4E00CC9}" type="datetimeFigureOut">
               <a:rPr lang="ko-KR" altLang="en-US" smtClean="0"/>
-              <a:t>2020-03-14</a:t>
+              <a:t>2020-03-21</a:t>
             </a:fld>
             <a:endParaRPr lang="ko-KR" altLang="en-US"/>
           </a:p>
@@ -1104,10 +1100,9 @@
           <a:lstStyle/>
           <a:p>
             <a:r>
-              <a:rPr lang="ko-KR" altLang="en-US" smtClean="0"/>
+              <a:rPr lang="ko-KR" altLang="en-US"/>
               <a:t>마스터 제목 스타일 편집</a:t>
             </a:r>
-            <a:endParaRPr lang="ko-KR" altLang="en-US"/>
           </a:p>
         </p:txBody>
       </p:sp>
@@ -1133,38 +1128,37 @@
           <a:p>
             <a:pPr lvl="0"/>
             <a:r>
-              <a:rPr lang="ko-KR" altLang="en-US" smtClean="0"/>
+              <a:rPr lang="ko-KR" altLang="en-US"/>
               <a:t>마스터 텍스트 스타일 편집</a:t>
             </a:r>
           </a:p>
           <a:p>
             <a:pPr lvl="1"/>
             <a:r>
-              <a:rPr lang="ko-KR" altLang="en-US" smtClean="0"/>
+              <a:rPr lang="ko-KR" altLang="en-US"/>
               <a:t>둘째 수준</a:t>
             </a:r>
           </a:p>
           <a:p>
             <a:pPr lvl="2"/>
             <a:r>
-              <a:rPr lang="ko-KR" altLang="en-US" smtClean="0"/>
+              <a:rPr lang="ko-KR" altLang="en-US"/>
               <a:t>셋째 수준</a:t>
             </a:r>
           </a:p>
           <a:p>
             <a:pPr lvl="3"/>
             <a:r>
-              <a:rPr lang="ko-KR" altLang="en-US" smtClean="0"/>
+              <a:rPr lang="ko-KR" altLang="en-US"/>
               <a:t>넷째 수준</a:t>
             </a:r>
           </a:p>
           <a:p>
             <a:pPr lvl="4"/>
             <a:r>
-              <a:rPr lang="ko-KR" altLang="en-US" smtClean="0"/>
+              <a:rPr lang="ko-KR" altLang="en-US"/>
               <a:t>다섯째 수준</a:t>
             </a:r>
-            <a:endParaRPr lang="ko-KR" altLang="en-US"/>
           </a:p>
         </p:txBody>
       </p:sp>
@@ -1190,38 +1184,37 @@
           <a:p>
             <a:pPr lvl="0"/>
             <a:r>
-              <a:rPr lang="ko-KR" altLang="en-US" smtClean="0"/>
+              <a:rPr lang="ko-KR" altLang="en-US"/>
               <a:t>마스터 텍스트 스타일 편집</a:t>
             </a:r>
           </a:p>
           <a:p>
             <a:pPr lvl="1"/>
             <a:r>
-              <a:rPr lang="ko-KR" altLang="en-US" smtClean="0"/>
+              <a:rPr lang="ko-KR" altLang="en-US"/>
               <a:t>둘째 수준</a:t>
             </a:r>
           </a:p>
           <a:p>
             <a:pPr lvl="2"/>
             <a:r>
-              <a:rPr lang="ko-KR" altLang="en-US" smtClean="0"/>
+              <a:rPr lang="ko-KR" altLang="en-US"/>
               <a:t>셋째 수준</a:t>
             </a:r>
           </a:p>
           <a:p>
             <a:pPr lvl="3"/>
             <a:r>
-              <a:rPr lang="ko-KR" altLang="en-US" smtClean="0"/>
+              <a:rPr lang="ko-KR" altLang="en-US"/>
               <a:t>넷째 수준</a:t>
             </a:r>
           </a:p>
           <a:p>
             <a:pPr lvl="4"/>
             <a:r>
-              <a:rPr lang="ko-KR" altLang="en-US" smtClean="0"/>
+              <a:rPr lang="ko-KR" altLang="en-US"/>
               <a:t>다섯째 수준</a:t>
             </a:r>
-            <a:endParaRPr lang="ko-KR" altLang="en-US"/>
           </a:p>
         </p:txBody>
       </p:sp>
@@ -1242,7 +1235,7 @@
           <a:p>
             <a:fld id="{C4F6CBA0-DC14-4E9C-9B05-184DE4E00CC9}" type="datetimeFigureOut">
               <a:rPr lang="ko-KR" altLang="en-US" smtClean="0"/>
-              <a:t>2020-03-14</a:t>
+              <a:t>2020-03-21</a:t>
             </a:fld>
             <a:endParaRPr lang="ko-KR" altLang="en-US"/>
           </a:p>
@@ -1341,10 +1334,9 @@
           <a:lstStyle/>
           <a:p>
             <a:r>
-              <a:rPr lang="ko-KR" altLang="en-US" smtClean="0"/>
+              <a:rPr lang="ko-KR" altLang="en-US"/>
               <a:t>마스터 제목 스타일 편집</a:t>
             </a:r>
-            <a:endParaRPr lang="ko-KR" altLang="en-US"/>
           </a:p>
         </p:txBody>
       </p:sp>
@@ -1407,7 +1399,7 @@
           <a:p>
             <a:pPr lvl="0"/>
             <a:r>
-              <a:rPr lang="ko-KR" altLang="en-US" smtClean="0"/>
+              <a:rPr lang="ko-KR" altLang="en-US"/>
               <a:t>마스터 텍스트 스타일 편집</a:t>
             </a:r>
           </a:p>
@@ -1435,38 +1427,37 @@
           <a:p>
             <a:pPr lvl="0"/>
             <a:r>
-              <a:rPr lang="ko-KR" altLang="en-US" smtClean="0"/>
+              <a:rPr lang="ko-KR" altLang="en-US"/>
               <a:t>마스터 텍스트 스타일 편집</a:t>
             </a:r>
           </a:p>
           <a:p>
             <a:pPr lvl="1"/>
             <a:r>
-              <a:rPr lang="ko-KR" altLang="en-US" smtClean="0"/>
+              <a:rPr lang="ko-KR" altLang="en-US"/>
               <a:t>둘째 수준</a:t>
             </a:r>
           </a:p>
           <a:p>
             <a:pPr lvl="2"/>
             <a:r>
-              <a:rPr lang="ko-KR" altLang="en-US" smtClean="0"/>
+              <a:rPr lang="ko-KR" altLang="en-US"/>
               <a:t>셋째 수준</a:t>
             </a:r>
           </a:p>
           <a:p>
             <a:pPr lvl="3"/>
             <a:r>
-              <a:rPr lang="ko-KR" altLang="en-US" smtClean="0"/>
+              <a:rPr lang="ko-KR" altLang="en-US"/>
               <a:t>넷째 수준</a:t>
             </a:r>
           </a:p>
           <a:p>
             <a:pPr lvl="4"/>
             <a:r>
-              <a:rPr lang="ko-KR" altLang="en-US" smtClean="0"/>
+              <a:rPr lang="ko-KR" altLang="en-US"/>
               <a:t>다섯째 수준</a:t>
             </a:r>
-            <a:endParaRPr lang="ko-KR" altLang="en-US"/>
           </a:p>
         </p:txBody>
       </p:sp>
@@ -1529,7 +1520,7 @@
           <a:p>
             <a:pPr lvl="0"/>
             <a:r>
-              <a:rPr lang="ko-KR" altLang="en-US" smtClean="0"/>
+              <a:rPr lang="ko-KR" altLang="en-US"/>
               <a:t>마스터 텍스트 스타일 편집</a:t>
             </a:r>
           </a:p>
@@ -1557,38 +1548,37 @@
           <a:p>
             <a:pPr lvl="0"/>
             <a:r>
-              <a:rPr lang="ko-KR" altLang="en-US" smtClean="0"/>
+              <a:rPr lang="ko-KR" altLang="en-US"/>
               <a:t>마스터 텍스트 스타일 편집</a:t>
             </a:r>
           </a:p>
           <a:p>
             <a:pPr lvl="1"/>
             <a:r>
-              <a:rPr lang="ko-KR" altLang="en-US" smtClean="0"/>
+              <a:rPr lang="ko-KR" altLang="en-US"/>
               <a:t>둘째 수준</a:t>
             </a:r>
           </a:p>
           <a:p>
             <a:pPr lvl="2"/>
             <a:r>
-              <a:rPr lang="ko-KR" altLang="en-US" smtClean="0"/>
+              <a:rPr lang="ko-KR" altLang="en-US"/>
               <a:t>셋째 수준</a:t>
             </a:r>
           </a:p>
           <a:p>
             <a:pPr lvl="3"/>
             <a:r>
-              <a:rPr lang="ko-KR" altLang="en-US" smtClean="0"/>
+              <a:rPr lang="ko-KR" altLang="en-US"/>
               <a:t>넷째 수준</a:t>
             </a:r>
           </a:p>
           <a:p>
             <a:pPr lvl="4"/>
             <a:r>
-              <a:rPr lang="ko-KR" altLang="en-US" smtClean="0"/>
+              <a:rPr lang="ko-KR" altLang="en-US"/>
               <a:t>다섯째 수준</a:t>
             </a:r>
-            <a:endParaRPr lang="ko-KR" altLang="en-US"/>
           </a:p>
         </p:txBody>
       </p:sp>
@@ -1609,7 +1599,7 @@
           <a:p>
             <a:fld id="{C4F6CBA0-DC14-4E9C-9B05-184DE4E00CC9}" type="datetimeFigureOut">
               <a:rPr lang="ko-KR" altLang="en-US" smtClean="0"/>
-              <a:t>2020-03-14</a:t>
+              <a:t>2020-03-21</a:t>
             </a:fld>
             <a:endParaRPr lang="ko-KR" altLang="en-US"/>
           </a:p>
@@ -1703,10 +1693,9 @@
           <a:lstStyle/>
           <a:p>
             <a:r>
-              <a:rPr lang="ko-KR" altLang="en-US" smtClean="0"/>
+              <a:rPr lang="ko-KR" altLang="en-US"/>
               <a:t>마스터 제목 스타일 편집</a:t>
             </a:r>
-            <a:endParaRPr lang="ko-KR" altLang="en-US"/>
           </a:p>
         </p:txBody>
       </p:sp>
@@ -1727,7 +1716,7 @@
           <a:p>
             <a:fld id="{C4F6CBA0-DC14-4E9C-9B05-184DE4E00CC9}" type="datetimeFigureOut">
               <a:rPr lang="ko-KR" altLang="en-US" smtClean="0"/>
-              <a:t>2020-03-14</a:t>
+              <a:t>2020-03-21</a:t>
             </a:fld>
             <a:endParaRPr lang="ko-KR" altLang="en-US"/>
           </a:p>
@@ -1822,7 +1811,7 @@
           <a:p>
             <a:fld id="{C4F6CBA0-DC14-4E9C-9B05-184DE4E00CC9}" type="datetimeFigureOut">
               <a:rPr lang="ko-KR" altLang="en-US" smtClean="0"/>
-              <a:t>2020-03-14</a:t>
+              <a:t>2020-03-21</a:t>
             </a:fld>
             <a:endParaRPr lang="ko-KR" altLang="en-US"/>
           </a:p>
@@ -1925,10 +1914,9 @@
           </a:lstStyle>
           <a:p>
             <a:r>
-              <a:rPr lang="ko-KR" altLang="en-US" smtClean="0"/>
+              <a:rPr lang="ko-KR" altLang="en-US"/>
               <a:t>마스터 제목 스타일 편집</a:t>
             </a:r>
-            <a:endParaRPr lang="ko-KR" altLang="en-US"/>
           </a:p>
         </p:txBody>
       </p:sp>
@@ -1982,38 +1970,37 @@
           <a:p>
             <a:pPr lvl="0"/>
             <a:r>
-              <a:rPr lang="ko-KR" altLang="en-US" smtClean="0"/>
+              <a:rPr lang="ko-KR" altLang="en-US"/>
               <a:t>마스터 텍스트 스타일 편집</a:t>
             </a:r>
           </a:p>
           <a:p>
             <a:pPr lvl="1"/>
             <a:r>
-              <a:rPr lang="ko-KR" altLang="en-US" smtClean="0"/>
+              <a:rPr lang="ko-KR" altLang="en-US"/>
               <a:t>둘째 수준</a:t>
             </a:r>
           </a:p>
           <a:p>
             <a:pPr lvl="2"/>
             <a:r>
-              <a:rPr lang="ko-KR" altLang="en-US" smtClean="0"/>
+              <a:rPr lang="ko-KR" altLang="en-US"/>
               <a:t>셋째 수준</a:t>
             </a:r>
           </a:p>
           <a:p>
             <a:pPr lvl="3"/>
             <a:r>
-              <a:rPr lang="ko-KR" altLang="en-US" smtClean="0"/>
+              <a:rPr lang="ko-KR" altLang="en-US"/>
               <a:t>넷째 수준</a:t>
             </a:r>
           </a:p>
           <a:p>
             <a:pPr lvl="4"/>
             <a:r>
-              <a:rPr lang="ko-KR" altLang="en-US" smtClean="0"/>
+              <a:rPr lang="ko-KR" altLang="en-US"/>
               <a:t>다섯째 수준</a:t>
             </a:r>
-            <a:endParaRPr lang="ko-KR" altLang="en-US"/>
           </a:p>
         </p:txBody>
       </p:sp>
@@ -2076,7 +2063,7 @@
           <a:p>
             <a:pPr lvl="0"/>
             <a:r>
-              <a:rPr lang="ko-KR" altLang="en-US" smtClean="0"/>
+              <a:rPr lang="ko-KR" altLang="en-US"/>
               <a:t>마스터 텍스트 스타일 편집</a:t>
             </a:r>
           </a:p>
@@ -2099,7 +2086,7 @@
           <a:p>
             <a:fld id="{C4F6CBA0-DC14-4E9C-9B05-184DE4E00CC9}" type="datetimeFigureOut">
               <a:rPr lang="ko-KR" altLang="en-US" smtClean="0"/>
-              <a:t>2020-03-14</a:t>
+              <a:t>2020-03-21</a:t>
             </a:fld>
             <a:endParaRPr lang="ko-KR" altLang="en-US"/>
           </a:p>
@@ -2202,10 +2189,9 @@
           </a:lstStyle>
           <a:p>
             <a:r>
-              <a:rPr lang="ko-KR" altLang="en-US" smtClean="0"/>
+              <a:rPr lang="ko-KR" altLang="en-US"/>
               <a:t>마스터 제목 스타일 편집</a:t>
             </a:r>
-            <a:endParaRPr lang="ko-KR" altLang="en-US"/>
           </a:p>
         </p:txBody>
       </p:sp>
@@ -2329,7 +2315,7 @@
           <a:p>
             <a:pPr lvl="0"/>
             <a:r>
-              <a:rPr lang="ko-KR" altLang="en-US" smtClean="0"/>
+              <a:rPr lang="ko-KR" altLang="en-US"/>
               <a:t>마스터 텍스트 스타일 편집</a:t>
             </a:r>
           </a:p>
@@ -2352,7 +2338,7 @@
           <a:p>
             <a:fld id="{C4F6CBA0-DC14-4E9C-9B05-184DE4E00CC9}" type="datetimeFigureOut">
               <a:rPr lang="ko-KR" altLang="en-US" smtClean="0"/>
-              <a:t>2020-03-14</a:t>
+              <a:t>2020-03-21</a:t>
             </a:fld>
             <a:endParaRPr lang="ko-KR" altLang="en-US"/>
           </a:p>
@@ -2461,10 +2447,9 @@
           <a:lstStyle/>
           <a:p>
             <a:r>
-              <a:rPr lang="ko-KR" altLang="en-US" smtClean="0"/>
+              <a:rPr lang="ko-KR" altLang="en-US"/>
               <a:t>마스터 제목 스타일 편집</a:t>
             </a:r>
-            <a:endParaRPr lang="ko-KR" altLang="en-US"/>
           </a:p>
         </p:txBody>
       </p:sp>
@@ -2495,38 +2480,37 @@
           <a:p>
             <a:pPr lvl="0"/>
             <a:r>
-              <a:rPr lang="ko-KR" altLang="en-US" smtClean="0"/>
+              <a:rPr lang="ko-KR" altLang="en-US"/>
               <a:t>마스터 텍스트 스타일 편집</a:t>
             </a:r>
           </a:p>
           <a:p>
             <a:pPr lvl="1"/>
             <a:r>
-              <a:rPr lang="ko-KR" altLang="en-US" smtClean="0"/>
+              <a:rPr lang="ko-KR" altLang="en-US"/>
               <a:t>둘째 수준</a:t>
             </a:r>
           </a:p>
           <a:p>
             <a:pPr lvl="2"/>
             <a:r>
-              <a:rPr lang="ko-KR" altLang="en-US" smtClean="0"/>
+              <a:rPr lang="ko-KR" altLang="en-US"/>
               <a:t>셋째 수준</a:t>
             </a:r>
           </a:p>
           <a:p>
             <a:pPr lvl="3"/>
             <a:r>
-              <a:rPr lang="ko-KR" altLang="en-US" smtClean="0"/>
+              <a:rPr lang="ko-KR" altLang="en-US"/>
               <a:t>넷째 수준</a:t>
             </a:r>
           </a:p>
           <a:p>
             <a:pPr lvl="4"/>
             <a:r>
-              <a:rPr lang="ko-KR" altLang="en-US" smtClean="0"/>
+              <a:rPr lang="ko-KR" altLang="en-US"/>
               <a:t>다섯째 수준</a:t>
             </a:r>
-            <a:endParaRPr lang="ko-KR" altLang="en-US"/>
           </a:p>
         </p:txBody>
       </p:sp>
@@ -2565,7 +2549,7 @@
           <a:p>
             <a:fld id="{C4F6CBA0-DC14-4E9C-9B05-184DE4E00CC9}" type="datetimeFigureOut">
               <a:rPr lang="ko-KR" altLang="en-US" smtClean="0"/>
-              <a:t>2020-03-14</a:t>
+              <a:t>2020-03-21</a:t>
             </a:fld>
             <a:endParaRPr lang="ko-KR" altLang="en-US"/>
           </a:p>
@@ -3005,10 +2989,9 @@
           <a:p>
             <a:pPr algn="ctr"/>
             <a:r>
-              <a:rPr lang="ko-KR" altLang="en-US" dirty="0" smtClean="0"/>
+              <a:rPr lang="ko-KR" altLang="en-US" dirty="0"/>
               <a:t>메인 화면</a:t>
             </a:r>
-            <a:endParaRPr lang="ko-KR" altLang="en-US" dirty="0"/>
           </a:p>
         </p:txBody>
       </p:sp>
@@ -3020,7 +3003,7 @@
         </p:nvSpPr>
         <p:spPr>
           <a:xfrm>
-            <a:off x="441159" y="1965156"/>
+            <a:off x="242188" y="1965156"/>
             <a:ext cx="2165684" cy="657727"/>
           </a:xfrm>
           <a:prstGeom prst="rect">
@@ -3047,18 +3030,17 @@
           <a:p>
             <a:pPr algn="ctr"/>
             <a:r>
-              <a:rPr lang="ko-KR" altLang="en-US" dirty="0" smtClean="0"/>
+              <a:rPr lang="ko-KR" altLang="en-US" dirty="0"/>
               <a:t>현재 위치에서</a:t>
             </a:r>
-            <a:endParaRPr lang="en-US" altLang="ko-KR" dirty="0" smtClean="0"/>
+            <a:endParaRPr lang="en-US" altLang="ko-KR" dirty="0"/>
           </a:p>
           <a:p>
             <a:pPr algn="ctr"/>
             <a:r>
-              <a:rPr lang="ko-KR" altLang="en-US" dirty="0" smtClean="0"/>
+              <a:rPr lang="ko-KR" altLang="en-US" dirty="0"/>
               <a:t> 검색</a:t>
             </a:r>
-            <a:endParaRPr lang="ko-KR" altLang="en-US" dirty="0"/>
           </a:p>
         </p:txBody>
       </p:sp>
@@ -3070,7 +3052,7 @@
         </p:nvSpPr>
         <p:spPr>
           <a:xfrm>
-            <a:off x="3529264" y="1981196"/>
+            <a:off x="2805815" y="1965155"/>
             <a:ext cx="2165684" cy="657727"/>
           </a:xfrm>
           <a:prstGeom prst="rect">
@@ -3097,18 +3079,17 @@
           <a:p>
             <a:pPr algn="ctr"/>
             <a:r>
-              <a:rPr lang="ko-KR" altLang="en-US" dirty="0" smtClean="0"/>
+              <a:rPr lang="ko-KR" altLang="en-US" dirty="0"/>
               <a:t>특정 위치에서 </a:t>
             </a:r>
-            <a:endParaRPr lang="en-US" altLang="ko-KR" dirty="0" smtClean="0"/>
+            <a:endParaRPr lang="en-US" altLang="ko-KR" dirty="0"/>
           </a:p>
           <a:p>
             <a:pPr algn="ctr"/>
             <a:r>
-              <a:rPr lang="ko-KR" altLang="en-US" dirty="0" smtClean="0"/>
+              <a:rPr lang="ko-KR" altLang="en-US" dirty="0"/>
               <a:t>검색</a:t>
             </a:r>
-            <a:endParaRPr lang="ko-KR" altLang="en-US" dirty="0"/>
           </a:p>
         </p:txBody>
       </p:sp>
@@ -3120,7 +3101,7 @@
         </p:nvSpPr>
         <p:spPr>
           <a:xfrm>
-            <a:off x="9368592" y="1965155"/>
+            <a:off x="9919557" y="1965154"/>
             <a:ext cx="2165684" cy="657727"/>
           </a:xfrm>
           <a:prstGeom prst="rect">
@@ -3147,10 +3128,9 @@
           <a:p>
             <a:pPr algn="ctr"/>
             <a:r>
-              <a:rPr lang="ko-KR" altLang="en-US" dirty="0" smtClean="0"/>
+              <a:rPr lang="ko-KR" altLang="en-US" dirty="0"/>
               <a:t>코로나 기본 지식</a:t>
             </a:r>
-            <a:endParaRPr lang="ko-KR" altLang="en-US" dirty="0"/>
           </a:p>
         </p:txBody>
       </p:sp>
@@ -3162,7 +3142,7 @@
         </p:nvSpPr>
         <p:spPr>
           <a:xfrm>
-            <a:off x="6448928" y="1965155"/>
+            <a:off x="5224737" y="1965155"/>
             <a:ext cx="2165684" cy="657727"/>
           </a:xfrm>
           <a:prstGeom prst="rect">
@@ -3189,18 +3169,17 @@
           <a:p>
             <a:pPr algn="ctr"/>
             <a:r>
-              <a:rPr lang="ko-KR" altLang="en-US" dirty="0" smtClean="0"/>
+              <a:rPr lang="ko-KR" altLang="en-US" dirty="0"/>
               <a:t>마스크 </a:t>
             </a:r>
             <a:r>
-              <a:rPr lang="ko-KR" altLang="en-US" dirty="0" err="1" smtClean="0"/>
+              <a:rPr lang="ko-KR" altLang="en-US" dirty="0" err="1"/>
               <a:t>기부처</a:t>
             </a:r>
             <a:r>
-              <a:rPr lang="ko-KR" altLang="en-US" dirty="0" smtClean="0"/>
+              <a:rPr lang="ko-KR" altLang="en-US" dirty="0"/>
               <a:t> 리스트</a:t>
             </a:r>
-            <a:endParaRPr lang="ko-KR" altLang="en-US" dirty="0"/>
           </a:p>
         </p:txBody>
       </p:sp>
@@ -3212,7 +3191,7 @@
         </p:nvSpPr>
         <p:spPr>
           <a:xfrm>
-            <a:off x="1925054" y="2831428"/>
+            <a:off x="1524001" y="3100136"/>
             <a:ext cx="2165684" cy="657727"/>
           </a:xfrm>
           <a:prstGeom prst="rect">
@@ -3239,27 +3218,27 @@
           <a:p>
             <a:pPr algn="ctr"/>
             <a:r>
-              <a:rPr lang="ko-KR" altLang="en-US" dirty="0" smtClean="0"/>
+              <a:rPr lang="ko-KR" altLang="en-US" dirty="0"/>
               <a:t>주변 약국 찾기</a:t>
             </a:r>
-            <a:endParaRPr lang="en-US" altLang="ko-KR" dirty="0" smtClean="0"/>
+            <a:endParaRPr lang="en-US" altLang="ko-KR" dirty="0"/>
           </a:p>
           <a:p>
             <a:pPr algn="ctr"/>
             <a:r>
-              <a:rPr lang="en-US" altLang="ko-KR" dirty="0" smtClean="0"/>
+              <a:rPr lang="en-US" altLang="ko-KR" dirty="0"/>
               <a:t>(</a:t>
             </a:r>
             <a:r>
-              <a:rPr lang="ko-KR" altLang="en-US" dirty="0" smtClean="0"/>
+              <a:rPr lang="ko-KR" altLang="en-US" dirty="0"/>
               <a:t>지도 </a:t>
             </a:r>
             <a:r>
-              <a:rPr lang="en-US" altLang="ko-KR" dirty="0" err="1" smtClean="0"/>
+              <a:rPr lang="en-US" altLang="ko-KR" dirty="0" err="1"/>
               <a:t>api</a:t>
             </a:r>
             <a:r>
-              <a:rPr lang="en-US" altLang="ko-KR" dirty="0" smtClean="0"/>
+              <a:rPr lang="en-US" altLang="ko-KR" dirty="0"/>
               <a:t>)</a:t>
             </a:r>
           </a:p>
@@ -3273,7 +3252,7 @@
         </p:nvSpPr>
         <p:spPr>
           <a:xfrm>
-            <a:off x="1660360" y="4130834"/>
+            <a:off x="1259307" y="4271200"/>
             <a:ext cx="2695072" cy="657727"/>
           </a:xfrm>
           <a:prstGeom prst="rect">
@@ -3300,35 +3279,35 @@
           <a:p>
             <a:pPr algn="ctr"/>
             <a:r>
-              <a:rPr lang="ko-KR" altLang="en-US" dirty="0" smtClean="0"/>
+              <a:rPr lang="ko-KR" altLang="en-US" dirty="0"/>
               <a:t>약국 별 재고 알림</a:t>
             </a:r>
-            <a:endParaRPr lang="en-US" altLang="ko-KR" dirty="0" smtClean="0"/>
+            <a:endParaRPr lang="en-US" altLang="ko-KR" dirty="0"/>
           </a:p>
           <a:p>
             <a:pPr algn="ctr"/>
             <a:r>
-              <a:rPr lang="en-US" altLang="ko-KR" dirty="0" smtClean="0"/>
+              <a:rPr lang="en-US" altLang="ko-KR" dirty="0"/>
               <a:t>+ </a:t>
             </a:r>
             <a:r>
-              <a:rPr lang="ko-KR" altLang="en-US" dirty="0" err="1" smtClean="0"/>
+              <a:rPr lang="ko-KR" altLang="en-US" dirty="0" err="1"/>
               <a:t>마커</a:t>
             </a:r>
             <a:r>
-              <a:rPr lang="ko-KR" altLang="en-US" dirty="0" smtClean="0"/>
+              <a:rPr lang="ko-KR" altLang="en-US" dirty="0"/>
               <a:t> </a:t>
             </a:r>
             <a:r>
-              <a:rPr lang="en-US" altLang="ko-KR" dirty="0" smtClean="0"/>
+              <a:rPr lang="en-US" altLang="ko-KR" dirty="0"/>
               <a:t>(</a:t>
             </a:r>
             <a:r>
-              <a:rPr lang="ko-KR" altLang="en-US" dirty="0" smtClean="0"/>
+              <a:rPr lang="ko-KR" altLang="en-US" dirty="0"/>
               <a:t>재고 별 색 차별</a:t>
             </a:r>
             <a:r>
-              <a:rPr lang="en-US" altLang="ko-KR" dirty="0" smtClean="0"/>
+              <a:rPr lang="en-US" altLang="ko-KR" dirty="0"/>
               <a:t>)</a:t>
             </a:r>
           </a:p>
@@ -3342,7 +3321,7 @@
         </p:nvSpPr>
         <p:spPr>
           <a:xfrm>
-            <a:off x="1660360" y="4997106"/>
+            <a:off x="1259307" y="5442265"/>
             <a:ext cx="2695072" cy="1018683"/>
           </a:xfrm>
           <a:prstGeom prst="rect">
@@ -3369,115 +3348,51 @@
           <a:p>
             <a:pPr algn="ctr"/>
             <a:r>
-              <a:rPr lang="ko-KR" altLang="en-US" dirty="0" smtClean="0"/>
+              <a:rPr lang="ko-KR" altLang="en-US" dirty="0"/>
               <a:t>찾은 약국 </a:t>
             </a:r>
-            <a:endParaRPr lang="en-US" altLang="ko-KR" dirty="0" smtClean="0"/>
+            <a:endParaRPr lang="en-US" altLang="ko-KR" dirty="0"/>
           </a:p>
           <a:p>
             <a:pPr algn="ctr"/>
             <a:r>
-              <a:rPr lang="ko-KR" altLang="en-US" dirty="0" smtClean="0"/>
+              <a:rPr lang="ko-KR" altLang="en-US" dirty="0"/>
               <a:t>거리 별 리스트 구현</a:t>
             </a:r>
-            <a:endParaRPr lang="en-US" altLang="ko-KR" dirty="0" smtClean="0"/>
+            <a:endParaRPr lang="en-US" altLang="ko-KR" dirty="0"/>
           </a:p>
           <a:p>
             <a:pPr algn="ctr"/>
             <a:r>
-              <a:rPr lang="en-US" altLang="ko-KR" dirty="0" smtClean="0"/>
+              <a:rPr lang="en-US" altLang="ko-KR" dirty="0"/>
               <a:t>+ </a:t>
             </a:r>
             <a:r>
-              <a:rPr lang="ko-KR" altLang="en-US" dirty="0" err="1" smtClean="0"/>
+              <a:rPr lang="ko-KR" altLang="en-US" dirty="0" err="1"/>
               <a:t>길찾기</a:t>
             </a:r>
             <a:r>
-              <a:rPr lang="ko-KR" altLang="en-US" dirty="0" smtClean="0"/>
+              <a:rPr lang="ko-KR" altLang="en-US" dirty="0"/>
               <a:t> 링크</a:t>
             </a:r>
-            <a:endParaRPr lang="en-US" altLang="ko-KR" dirty="0" smtClean="0"/>
-          </a:p>
-        </p:txBody>
-      </p:sp>
-      <p:cxnSp>
-        <p:nvCxnSpPr>
-          <p:cNvPr id="15" name="직선 연결선 14"/>
-          <p:cNvCxnSpPr>
-            <a:stCxn id="5" idx="3"/>
-            <a:endCxn id="10" idx="0"/>
-          </p:cNvCxnSpPr>
-          <p:nvPr/>
-        </p:nvCxnSpPr>
-        <p:spPr>
-          <a:xfrm>
-            <a:off x="2606843" y="2294020"/>
-            <a:ext cx="401053" cy="537408"/>
-          </a:xfrm>
-          <a:prstGeom prst="line">
-            <a:avLst/>
-          </a:prstGeom>
-        </p:spPr>
-        <p:style>
-          <a:lnRef idx="1">
-            <a:schemeClr val="accent1"/>
-          </a:lnRef>
-          <a:fillRef idx="0">
-            <a:schemeClr val="accent1"/>
-          </a:fillRef>
-          <a:effectRef idx="0">
-            <a:schemeClr val="accent1"/>
-          </a:effectRef>
-          <a:fontRef idx="minor">
-            <a:schemeClr val="tx1"/>
-          </a:fontRef>
-        </p:style>
-      </p:cxnSp>
-      <p:cxnSp>
-        <p:nvCxnSpPr>
-          <p:cNvPr id="17" name="직선 연결선 16"/>
-          <p:cNvCxnSpPr>
-            <a:stCxn id="10" idx="0"/>
-            <a:endCxn id="6" idx="1"/>
-          </p:cNvCxnSpPr>
-          <p:nvPr/>
-        </p:nvCxnSpPr>
-        <p:spPr>
-          <a:xfrm flipV="1">
-            <a:off x="3007896" y="2310060"/>
-            <a:ext cx="521368" cy="521368"/>
-          </a:xfrm>
-          <a:prstGeom prst="line">
-            <a:avLst/>
-          </a:prstGeom>
-        </p:spPr>
-        <p:style>
-          <a:lnRef idx="1">
-            <a:schemeClr val="accent1"/>
-          </a:lnRef>
-          <a:fillRef idx="0">
-            <a:schemeClr val="accent1"/>
-          </a:fillRef>
-          <a:effectRef idx="0">
-            <a:schemeClr val="accent1"/>
-          </a:effectRef>
-          <a:fontRef idx="minor">
-            <a:schemeClr val="tx1"/>
-          </a:fontRef>
-        </p:style>
-      </p:cxnSp>
+            <a:endParaRPr lang="en-US" altLang="ko-KR" dirty="0"/>
+          </a:p>
+        </p:txBody>
+      </p:sp>
       <p:cxnSp>
         <p:nvCxnSpPr>
           <p:cNvPr id="18" name="직선 연결선 17"/>
           <p:cNvCxnSpPr>
+            <a:cxnSpLocks/>
+            <a:stCxn id="11" idx="0"/>
             <a:endCxn id="10" idx="2"/>
           </p:cNvCxnSpPr>
           <p:nvPr/>
         </p:nvCxnSpPr>
         <p:spPr>
           <a:xfrm flipV="1">
-            <a:off x="3007896" y="3489155"/>
-            <a:ext cx="0" cy="589543"/>
+            <a:off x="2606843" y="3757863"/>
+            <a:ext cx="0" cy="513337"/>
           </a:xfrm>
           <a:prstGeom prst="line">
             <a:avLst/>
@@ -3501,13 +3416,17 @@
       <p:cxnSp>
         <p:nvCxnSpPr>
           <p:cNvPr id="20" name="직선 연결선 19"/>
-          <p:cNvCxnSpPr/>
+          <p:cNvCxnSpPr>
+            <a:cxnSpLocks/>
+            <a:stCxn id="12" idx="0"/>
+            <a:endCxn id="11" idx="2"/>
+          </p:cNvCxnSpPr>
           <p:nvPr/>
         </p:nvCxnSpPr>
         <p:spPr>
           <a:xfrm flipV="1">
-            <a:off x="2959771" y="4499800"/>
-            <a:ext cx="0" cy="589543"/>
+            <a:off x="2606843" y="4928927"/>
+            <a:ext cx="0" cy="513338"/>
           </a:xfrm>
           <a:prstGeom prst="line">
             <a:avLst/>
@@ -3531,13 +3450,16 @@
       <p:cxnSp>
         <p:nvCxnSpPr>
           <p:cNvPr id="21" name="직선 연결선 20"/>
-          <p:cNvCxnSpPr/>
+          <p:cNvCxnSpPr>
+            <a:cxnSpLocks/>
+            <a:endCxn id="4" idx="2"/>
+          </p:cNvCxnSpPr>
           <p:nvPr/>
         </p:nvCxnSpPr>
         <p:spPr>
           <a:xfrm flipV="1">
-            <a:off x="1524001" y="820158"/>
-            <a:ext cx="3368841" cy="1144998"/>
+            <a:off x="1524001" y="1010653"/>
+            <a:ext cx="4451683" cy="954504"/>
           </a:xfrm>
           <a:prstGeom prst="line">
             <a:avLst/>
@@ -3561,13 +3483,17 @@
       <p:cxnSp>
         <p:nvCxnSpPr>
           <p:cNvPr id="24" name="직선 연결선 23"/>
-          <p:cNvCxnSpPr/>
+          <p:cNvCxnSpPr>
+            <a:cxnSpLocks/>
+            <a:stCxn id="6" idx="0"/>
+            <a:endCxn id="4" idx="2"/>
+          </p:cNvCxnSpPr>
           <p:nvPr/>
         </p:nvCxnSpPr>
         <p:spPr>
           <a:xfrm flipV="1">
-            <a:off x="4531895" y="933450"/>
-            <a:ext cx="1684421" cy="1078827"/>
+            <a:off x="3888657" y="1010653"/>
+            <a:ext cx="2087027" cy="954502"/>
           </a:xfrm>
           <a:prstGeom prst="line">
             <a:avLst/>
@@ -3591,13 +3517,17 @@
       <p:cxnSp>
         <p:nvCxnSpPr>
           <p:cNvPr id="27" name="직선 연결선 26"/>
-          <p:cNvCxnSpPr/>
+          <p:cNvCxnSpPr>
+            <a:cxnSpLocks/>
+            <a:stCxn id="8" idx="0"/>
+            <a:endCxn id="4" idx="2"/>
+          </p:cNvCxnSpPr>
           <p:nvPr/>
         </p:nvCxnSpPr>
         <p:spPr>
           <a:xfrm flipH="1" flipV="1">
-            <a:off x="6216316" y="948491"/>
-            <a:ext cx="1203157" cy="1063786"/>
+            <a:off x="5975684" y="1010653"/>
+            <a:ext cx="331895" cy="954502"/>
           </a:xfrm>
           <a:prstGeom prst="line">
             <a:avLst/>
@@ -3621,13 +3551,189 @@
       <p:cxnSp>
         <p:nvCxnSpPr>
           <p:cNvPr id="29" name="직선 연결선 28"/>
-          <p:cNvCxnSpPr/>
+          <p:cNvCxnSpPr>
+            <a:cxnSpLocks/>
+            <a:stCxn id="7" idx="0"/>
+            <a:endCxn id="4" idx="2"/>
+          </p:cNvCxnSpPr>
           <p:nvPr/>
         </p:nvCxnSpPr>
         <p:spPr>
           <a:xfrm flipH="1" flipV="1">
-            <a:off x="6537158" y="1010653"/>
-            <a:ext cx="4251157" cy="853234"/>
+            <a:off x="5975684" y="1010653"/>
+            <a:ext cx="5026715" cy="954501"/>
+          </a:xfrm>
+          <a:prstGeom prst="line">
+            <a:avLst/>
+          </a:prstGeom>
+        </p:spPr>
+        <p:style>
+          <a:lnRef idx="1">
+            <a:schemeClr val="accent1"/>
+          </a:lnRef>
+          <a:fillRef idx="0">
+            <a:schemeClr val="accent1"/>
+          </a:fillRef>
+          <a:effectRef idx="0">
+            <a:schemeClr val="accent1"/>
+          </a:effectRef>
+          <a:fontRef idx="minor">
+            <a:schemeClr val="tx1"/>
+          </a:fontRef>
+        </p:style>
+      </p:cxnSp>
+      <p:cxnSp>
+        <p:nvCxnSpPr>
+          <p:cNvPr id="31" name="직선 연결선 30">
+            <a:extLst>
+              <a:ext uri="{FF2B5EF4-FFF2-40B4-BE49-F238E27FC236}">
+                <a16:creationId xmlns:a16="http://schemas.microsoft.com/office/drawing/2014/main" id="{E6B78533-22C4-45C8-B418-AF04CE4C3029}"/>
+              </a:ext>
+            </a:extLst>
+          </p:cNvPr>
+          <p:cNvCxnSpPr>
+            <a:cxnSpLocks/>
+            <a:stCxn id="5" idx="3"/>
+            <a:endCxn id="6" idx="1"/>
+          </p:cNvCxnSpPr>
+          <p:nvPr/>
+        </p:nvCxnSpPr>
+        <p:spPr>
+          <a:xfrm flipV="1">
+            <a:off x="2407872" y="2294019"/>
+            <a:ext cx="397943" cy="1"/>
+          </a:xfrm>
+          <a:prstGeom prst="line">
+            <a:avLst/>
+          </a:prstGeom>
+        </p:spPr>
+        <p:style>
+          <a:lnRef idx="1">
+            <a:schemeClr val="accent1"/>
+          </a:lnRef>
+          <a:fillRef idx="0">
+            <a:schemeClr val="accent1"/>
+          </a:fillRef>
+          <a:effectRef idx="0">
+            <a:schemeClr val="accent1"/>
+          </a:effectRef>
+          <a:fontRef idx="minor">
+            <a:schemeClr val="tx1"/>
+          </a:fontRef>
+        </p:style>
+      </p:cxnSp>
+      <p:cxnSp>
+        <p:nvCxnSpPr>
+          <p:cNvPr id="33" name="직선 연결선 32">
+            <a:extLst>
+              <a:ext uri="{FF2B5EF4-FFF2-40B4-BE49-F238E27FC236}">
+                <a16:creationId xmlns:a16="http://schemas.microsoft.com/office/drawing/2014/main" id="{A2642CDD-9A70-4BAE-BDA6-64630019515D}"/>
+              </a:ext>
+            </a:extLst>
+          </p:cNvPr>
+          <p:cNvCxnSpPr>
+            <a:stCxn id="10" idx="0"/>
+          </p:cNvCxnSpPr>
+          <p:nvPr/>
+        </p:nvCxnSpPr>
+        <p:spPr>
+          <a:xfrm flipV="1">
+            <a:off x="2606843" y="2310060"/>
+            <a:ext cx="0" cy="790076"/>
+          </a:xfrm>
+          <a:prstGeom prst="line">
+            <a:avLst/>
+          </a:prstGeom>
+        </p:spPr>
+        <p:style>
+          <a:lnRef idx="1">
+            <a:schemeClr val="accent1"/>
+          </a:lnRef>
+          <a:fillRef idx="0">
+            <a:schemeClr val="accent1"/>
+          </a:fillRef>
+          <a:effectRef idx="0">
+            <a:schemeClr val="accent1"/>
+          </a:effectRef>
+          <a:fontRef idx="minor">
+            <a:schemeClr val="tx1"/>
+          </a:fontRef>
+        </p:style>
+      </p:cxnSp>
+      <p:sp>
+        <p:nvSpPr>
+          <p:cNvPr id="43" name="직사각형 42">
+            <a:extLst>
+              <a:ext uri="{FF2B5EF4-FFF2-40B4-BE49-F238E27FC236}">
+                <a16:creationId xmlns:a16="http://schemas.microsoft.com/office/drawing/2014/main" id="{4015A61E-F3A5-4E8A-B229-D5DEF70B7B56}"/>
+              </a:ext>
+            </a:extLst>
+          </p:cNvPr>
+          <p:cNvSpPr/>
+          <p:nvPr/>
+        </p:nvSpPr>
+        <p:spPr>
+          <a:xfrm>
+            <a:off x="7643659" y="1981196"/>
+            <a:ext cx="2165684" cy="657727"/>
+          </a:xfrm>
+          <a:prstGeom prst="rect">
+            <a:avLst/>
+          </a:prstGeom>
+        </p:spPr>
+        <p:style>
+          <a:lnRef idx="2">
+            <a:schemeClr val="accent6"/>
+          </a:lnRef>
+          <a:fillRef idx="1">
+            <a:schemeClr val="lt1"/>
+          </a:fillRef>
+          <a:effectRef idx="0">
+            <a:schemeClr val="accent6"/>
+          </a:effectRef>
+          <a:fontRef idx="minor">
+            <a:schemeClr val="dk1"/>
+          </a:fontRef>
+        </p:style>
+        <p:txBody>
+          <a:bodyPr rtlCol="0" anchor="ctr"/>
+          <a:lstStyle/>
+          <a:p>
+            <a:pPr algn="ctr"/>
+            <a:r>
+              <a:rPr lang="ko-KR" altLang="en-US" dirty="0"/>
+              <a:t>마스크 온라인 </a:t>
+            </a:r>
+            <a:endParaRPr lang="en-US" altLang="ko-KR" dirty="0"/>
+          </a:p>
+          <a:p>
+            <a:pPr algn="ctr"/>
+            <a:r>
+              <a:rPr lang="ko-KR" altLang="en-US" dirty="0"/>
+              <a:t>스토어 리스트</a:t>
+            </a:r>
+          </a:p>
+        </p:txBody>
+      </p:sp>
+      <p:cxnSp>
+        <p:nvCxnSpPr>
+          <p:cNvPr id="45" name="직선 연결선 44">
+            <a:extLst>
+              <a:ext uri="{FF2B5EF4-FFF2-40B4-BE49-F238E27FC236}">
+                <a16:creationId xmlns:a16="http://schemas.microsoft.com/office/drawing/2014/main" id="{242AC54B-13A8-4B08-AD2E-25CA2357B6B4}"/>
+              </a:ext>
+            </a:extLst>
+          </p:cNvPr>
+          <p:cNvCxnSpPr>
+            <a:stCxn id="4" idx="2"/>
+            <a:endCxn id="43" idx="0"/>
+          </p:cNvCxnSpPr>
+          <p:nvPr/>
+        </p:nvCxnSpPr>
+        <p:spPr>
+          <a:xfrm>
+            <a:off x="5975684" y="1010653"/>
+            <a:ext cx="2750817" cy="970543"/>
           </a:xfrm>
           <a:prstGeom prst="line">
             <a:avLst/>
@@ -3701,10 +3807,9 @@
           <a:lstStyle/>
           <a:p>
             <a:r>
-              <a:rPr lang="ko-KR" altLang="en-US" dirty="0" smtClean="0"/>
+              <a:rPr lang="ko-KR" altLang="en-US" dirty="0"/>
               <a:t>페이지 별 기능</a:t>
             </a:r>
-            <a:endParaRPr lang="ko-KR" altLang="en-US" dirty="0"/>
           </a:p>
         </p:txBody>
       </p:sp>
@@ -3731,11 +3836,11 @@
           <a:lstStyle/>
           <a:p>
             <a:r>
-              <a:rPr lang="en-US" altLang="ko-KR" smtClean="0"/>
+              <a:rPr lang="en-US" altLang="ko-KR"/>
               <a:t>1. </a:t>
             </a:r>
             <a:r>
-              <a:rPr lang="ko-KR" altLang="en-US" dirty="0" err="1" smtClean="0"/>
+              <a:rPr lang="ko-KR" altLang="en-US" dirty="0" err="1"/>
               <a:t>메인화면</a:t>
             </a:r>
             <a:endParaRPr lang="ko-KR" altLang="en-US" dirty="0"/>
@@ -3777,10 +3882,9 @@
           <a:p>
             <a:pPr algn="ctr"/>
             <a:r>
-              <a:rPr lang="ko-KR" altLang="en-US" dirty="0" smtClean="0"/>
+              <a:rPr lang="ko-KR" altLang="en-US" dirty="0"/>
               <a:t>주소 검색 창</a:t>
             </a:r>
-            <a:endParaRPr lang="ko-KR" altLang="en-US" dirty="0"/>
           </a:p>
         </p:txBody>
       </p:sp>
@@ -3819,7 +3923,7 @@
           <a:p>
             <a:pPr algn="ctr"/>
             <a:r>
-              <a:rPr lang="ko-KR" altLang="en-US" dirty="0" err="1" smtClean="0"/>
+              <a:rPr lang="ko-KR" altLang="en-US" dirty="0" err="1"/>
               <a:t>메뉴창</a:t>
             </a:r>
             <a:endParaRPr lang="ko-KR" altLang="en-US" dirty="0"/>
@@ -3861,54 +3965,53 @@
           <a:p>
             <a:pPr algn="ctr"/>
             <a:r>
-              <a:rPr lang="ko-KR" altLang="en-US" dirty="0" smtClean="0"/>
+              <a:rPr lang="ko-KR" altLang="en-US" dirty="0"/>
               <a:t>마스크 구매 해당자 알림 메시지</a:t>
             </a:r>
-            <a:endParaRPr lang="en-US" altLang="ko-KR" dirty="0" smtClean="0"/>
+            <a:endParaRPr lang="en-US" altLang="ko-KR" dirty="0"/>
           </a:p>
           <a:p>
             <a:pPr algn="ctr"/>
             <a:r>
-              <a:rPr lang="en-US" altLang="ko-KR" dirty="0" smtClean="0"/>
+              <a:rPr lang="en-US" altLang="ko-KR" dirty="0"/>
               <a:t>(ex. </a:t>
             </a:r>
             <a:r>
-              <a:rPr lang="ko-KR" altLang="en-US" dirty="0" smtClean="0"/>
+              <a:rPr lang="ko-KR" altLang="en-US" dirty="0"/>
               <a:t>오늘 마스크 구매 </a:t>
             </a:r>
             <a:r>
-              <a:rPr lang="ko-KR" altLang="en-US" dirty="0" err="1" smtClean="0"/>
+              <a:rPr lang="ko-KR" altLang="en-US" dirty="0" err="1"/>
               <a:t>가능자는</a:t>
             </a:r>
             <a:r>
-              <a:rPr lang="ko-KR" altLang="en-US" dirty="0" smtClean="0"/>
+              <a:rPr lang="ko-KR" altLang="en-US" dirty="0"/>
               <a:t> 끝자리 </a:t>
             </a:r>
             <a:r>
-              <a:rPr lang="en-US" altLang="ko-KR" dirty="0" smtClean="0"/>
+              <a:rPr lang="en-US" altLang="ko-KR" dirty="0"/>
               <a:t>0,5 </a:t>
             </a:r>
             <a:r>
-              <a:rPr lang="ko-KR" altLang="en-US" dirty="0" smtClean="0"/>
+              <a:rPr lang="ko-KR" altLang="en-US" dirty="0"/>
               <a:t>년 </a:t>
             </a:r>
             <a:r>
-              <a:rPr lang="ko-KR" altLang="en-US" dirty="0" err="1" smtClean="0"/>
+              <a:rPr lang="ko-KR" altLang="en-US" dirty="0" err="1"/>
               <a:t>출생자</a:t>
             </a:r>
             <a:r>
-              <a:rPr lang="ko-KR" altLang="en-US" dirty="0" smtClean="0"/>
+              <a:rPr lang="ko-KR" altLang="en-US" dirty="0"/>
               <a:t> 입니다</a:t>
             </a:r>
             <a:r>
-              <a:rPr lang="en-US" altLang="ko-KR" dirty="0" smtClean="0"/>
+              <a:rPr lang="en-US" altLang="ko-KR" dirty="0"/>
               <a:t>.)</a:t>
             </a:r>
             <a:r>
-              <a:rPr lang="ko-KR" altLang="en-US" dirty="0" smtClean="0"/>
+              <a:rPr lang="ko-KR" altLang="en-US" dirty="0"/>
               <a:t> </a:t>
             </a:r>
-            <a:endParaRPr lang="ko-KR" altLang="en-US" dirty="0"/>
           </a:p>
         </p:txBody>
       </p:sp>
@@ -3947,18 +4050,17 @@
           <a:p>
             <a:pPr algn="ctr"/>
             <a:r>
-              <a:rPr lang="ko-KR" altLang="en-US" dirty="0" smtClean="0"/>
+              <a:rPr lang="ko-KR" altLang="en-US" dirty="0"/>
               <a:t>현재 위치에서 마스크 판매</a:t>
             </a:r>
-            <a:endParaRPr lang="en-US" altLang="ko-KR" dirty="0" smtClean="0"/>
+            <a:endParaRPr lang="en-US" altLang="ko-KR" dirty="0"/>
           </a:p>
           <a:p>
             <a:pPr algn="ctr"/>
             <a:r>
-              <a:rPr lang="ko-KR" altLang="en-US" dirty="0" smtClean="0"/>
+              <a:rPr lang="ko-KR" altLang="en-US" dirty="0"/>
               <a:t>약국 검색 버튼</a:t>
             </a:r>
-            <a:endParaRPr lang="ko-KR" altLang="en-US" dirty="0"/>
           </a:p>
         </p:txBody>
       </p:sp>
@@ -4004,10 +4106,9 @@
           <a:p>
             <a:pPr algn="ctr"/>
             <a:r>
-              <a:rPr lang="ko-KR" altLang="en-US" dirty="0" smtClean="0"/>
+              <a:rPr lang="ko-KR" altLang="en-US" dirty="0"/>
               <a:t>메뉴 창 누르면 나와야 함</a:t>
             </a:r>
-            <a:endParaRPr lang="ko-KR" altLang="en-US" dirty="0"/>
           </a:p>
         </p:txBody>
       </p:sp>
@@ -4064,10 +4165,9 @@
           <a:lstStyle/>
           <a:p>
             <a:r>
-              <a:rPr lang="ko-KR" altLang="en-US" dirty="0" smtClean="0"/>
+              <a:rPr lang="ko-KR" altLang="en-US" dirty="0"/>
               <a:t>페이지 별 기능</a:t>
             </a:r>
-            <a:endParaRPr lang="ko-KR" altLang="en-US" dirty="0"/>
           </a:p>
         </p:txBody>
       </p:sp>
@@ -4094,14 +4194,13 @@
           <a:lstStyle/>
           <a:p>
             <a:r>
-              <a:rPr lang="en-US" altLang="ko-KR" dirty="0" smtClean="0"/>
+              <a:rPr lang="en-US" altLang="ko-KR" dirty="0"/>
               <a:t>2. </a:t>
             </a:r>
             <a:r>
-              <a:rPr lang="ko-KR" altLang="en-US" dirty="0" smtClean="0"/>
+              <a:rPr lang="ko-KR" altLang="en-US" dirty="0"/>
               <a:t>메뉴</a:t>
             </a:r>
-            <a:endParaRPr lang="ko-KR" altLang="en-US" dirty="0"/>
           </a:p>
         </p:txBody>
       </p:sp>
@@ -4140,18 +4239,17 @@
           <a:p>
             <a:pPr algn="ctr"/>
             <a:r>
-              <a:rPr lang="ko-KR" altLang="en-US" dirty="0" smtClean="0"/>
+              <a:rPr lang="ko-KR" altLang="en-US" dirty="0"/>
               <a:t>마스크 </a:t>
             </a:r>
             <a:r>
-              <a:rPr lang="ko-KR" altLang="en-US" dirty="0" err="1" smtClean="0"/>
+              <a:rPr lang="ko-KR" altLang="en-US" dirty="0" err="1"/>
               <a:t>기부처</a:t>
             </a:r>
             <a:r>
-              <a:rPr lang="ko-KR" altLang="en-US" dirty="0" smtClean="0"/>
+              <a:rPr lang="ko-KR" altLang="en-US" dirty="0"/>
               <a:t> </a:t>
             </a:r>
-            <a:endParaRPr lang="ko-KR" altLang="en-US" dirty="0"/>
           </a:p>
         </p:txBody>
       </p:sp>
@@ -4190,7 +4288,7 @@
           <a:p>
             <a:pPr algn="ctr"/>
             <a:r>
-              <a:rPr lang="ko-KR" altLang="en-US" dirty="0" err="1" smtClean="0"/>
+              <a:rPr lang="ko-KR" altLang="en-US" dirty="0" err="1"/>
               <a:t>메뉴창</a:t>
             </a:r>
             <a:endParaRPr lang="ko-KR" altLang="en-US" dirty="0"/>
@@ -4232,10 +4330,9 @@
           <a:p>
             <a:pPr algn="ctr"/>
             <a:r>
-              <a:rPr lang="ko-KR" altLang="en-US" dirty="0" smtClean="0"/>
+              <a:rPr lang="ko-KR" altLang="en-US" dirty="0"/>
               <a:t>마스크 판매 약국 검색</a:t>
             </a:r>
-            <a:endParaRPr lang="ko-KR" altLang="en-US" dirty="0"/>
           </a:p>
         </p:txBody>
       </p:sp>
@@ -4274,10 +4371,9 @@
           <a:p>
             <a:pPr algn="ctr"/>
             <a:r>
-              <a:rPr lang="ko-KR" altLang="en-US" dirty="0" smtClean="0"/>
+              <a:rPr lang="ko-KR" altLang="en-US" dirty="0"/>
               <a:t>코로나 기본 지식 </a:t>
             </a:r>
-            <a:endParaRPr lang="ko-KR" altLang="en-US" dirty="0"/>
           </a:p>
         </p:txBody>
       </p:sp>
@@ -4323,10 +4419,9 @@
           <a:p>
             <a:pPr algn="ctr"/>
             <a:r>
-              <a:rPr lang="ko-KR" altLang="en-US" dirty="0" smtClean="0"/>
+              <a:rPr lang="ko-KR" altLang="en-US" dirty="0"/>
               <a:t>메뉴 창 누르면 나와야 함</a:t>
             </a:r>
-            <a:endParaRPr lang="ko-KR" altLang="en-US" dirty="0"/>
           </a:p>
         </p:txBody>
       </p:sp>
@@ -4383,10 +4478,9 @@
           <a:lstStyle/>
           <a:p>
             <a:r>
-              <a:rPr lang="ko-KR" altLang="en-US" dirty="0" smtClean="0"/>
+              <a:rPr lang="ko-KR" altLang="en-US" dirty="0"/>
               <a:t>페이지 별 기능</a:t>
             </a:r>
-            <a:endParaRPr lang="ko-KR" altLang="en-US" dirty="0"/>
           </a:p>
         </p:txBody>
       </p:sp>
@@ -4413,27 +4507,27 @@
           <a:lstStyle/>
           <a:p>
             <a:r>
-              <a:rPr lang="en-US" altLang="ko-KR" dirty="0" smtClean="0"/>
+              <a:rPr lang="en-US" altLang="ko-KR" dirty="0"/>
               <a:t>3-1. </a:t>
             </a:r>
             <a:r>
-              <a:rPr lang="ko-KR" altLang="en-US" dirty="0" smtClean="0"/>
+              <a:rPr lang="ko-KR" altLang="en-US" dirty="0"/>
               <a:t>마스크 재고 검색 </a:t>
             </a:r>
             <a:r>
-              <a:rPr lang="en-US" altLang="ko-KR" dirty="0" smtClean="0"/>
+              <a:rPr lang="en-US" altLang="ko-KR" dirty="0"/>
               <a:t>(+ </a:t>
             </a:r>
             <a:r>
-              <a:rPr lang="ko-KR" altLang="en-US" dirty="0" smtClean="0"/>
+              <a:rPr lang="ko-KR" altLang="en-US" dirty="0"/>
               <a:t>지도 </a:t>
             </a:r>
             <a:r>
-              <a:rPr lang="en-US" altLang="ko-KR" dirty="0" err="1" smtClean="0"/>
+              <a:rPr lang="en-US" altLang="ko-KR" dirty="0" err="1"/>
               <a:t>api</a:t>
             </a:r>
             <a:r>
-              <a:rPr lang="en-US" altLang="ko-KR" dirty="0" smtClean="0"/>
+              <a:rPr lang="en-US" altLang="ko-KR" dirty="0"/>
               <a:t>)</a:t>
             </a:r>
             <a:endParaRPr lang="ko-KR" altLang="en-US" dirty="0"/>
@@ -4475,7 +4569,7 @@
           <a:p>
             <a:pPr algn="ctr"/>
             <a:r>
-              <a:rPr lang="ko-KR" altLang="en-US" dirty="0" err="1" smtClean="0"/>
+              <a:rPr lang="ko-KR" altLang="en-US" dirty="0" err="1"/>
               <a:t>메뉴창</a:t>
             </a:r>
             <a:endParaRPr lang="ko-KR" altLang="en-US" dirty="0"/>
@@ -4541,10 +4635,9 @@
           <a:p>
             <a:pPr algn="ctr"/>
             <a:r>
-              <a:rPr lang="ko-KR" altLang="en-US" dirty="0" smtClean="0"/>
+              <a:rPr lang="ko-KR" altLang="en-US" dirty="0"/>
               <a:t>주소 검색 창</a:t>
             </a:r>
-            <a:endParaRPr lang="ko-KR" altLang="en-US" dirty="0"/>
           </a:p>
         </p:txBody>
       </p:sp>
@@ -4584,47 +4677,46 @@
           <a:lstStyle/>
           <a:p>
             <a:r>
-              <a:rPr lang="en-US" altLang="ko-KR" dirty="0" smtClean="0"/>
+              <a:rPr lang="en-US" altLang="ko-KR" dirty="0"/>
               <a:t>0~10</a:t>
             </a:r>
             <a:r>
-              <a:rPr lang="ko-KR" altLang="en-US" dirty="0" smtClean="0"/>
+              <a:rPr lang="ko-KR" altLang="en-US" dirty="0"/>
               <a:t>개</a:t>
             </a:r>
-            <a:endParaRPr lang="en-US" altLang="ko-KR" dirty="0" smtClean="0"/>
-          </a:p>
-          <a:p>
-            <a:r>
-              <a:rPr lang="en-US" altLang="ko-KR" dirty="0" smtClean="0"/>
+            <a:endParaRPr lang="en-US" altLang="ko-KR" dirty="0"/>
+          </a:p>
+          <a:p>
+            <a:r>
+              <a:rPr lang="en-US" altLang="ko-KR" dirty="0"/>
               <a:t>10~30</a:t>
             </a:r>
             <a:r>
-              <a:rPr lang="ko-KR" altLang="en-US" dirty="0" smtClean="0"/>
+              <a:rPr lang="ko-KR" altLang="en-US" dirty="0"/>
               <a:t>개</a:t>
             </a:r>
-            <a:endParaRPr lang="en-US" altLang="ko-KR" dirty="0" smtClean="0"/>
-          </a:p>
-          <a:p>
-            <a:r>
-              <a:rPr lang="en-US" altLang="ko-KR" dirty="0" smtClean="0"/>
+            <a:endParaRPr lang="en-US" altLang="ko-KR" dirty="0"/>
+          </a:p>
+          <a:p>
+            <a:r>
+              <a:rPr lang="en-US" altLang="ko-KR" dirty="0"/>
               <a:t>30~100</a:t>
             </a:r>
             <a:r>
-              <a:rPr lang="ko-KR" altLang="en-US" dirty="0" smtClean="0"/>
+              <a:rPr lang="ko-KR" altLang="en-US" dirty="0"/>
               <a:t>개</a:t>
             </a:r>
-            <a:endParaRPr lang="en-US" altLang="ko-KR" dirty="0" smtClean="0"/>
-          </a:p>
-          <a:p>
-            <a:r>
-              <a:rPr lang="en-US" altLang="ko-KR" dirty="0" smtClean="0"/>
+            <a:endParaRPr lang="en-US" altLang="ko-KR" dirty="0"/>
+          </a:p>
+          <a:p>
+            <a:r>
+              <a:rPr lang="en-US" altLang="ko-KR" dirty="0"/>
               <a:t>100</a:t>
             </a:r>
             <a:r>
-              <a:rPr lang="ko-KR" altLang="en-US" dirty="0" smtClean="0"/>
+              <a:rPr lang="ko-KR" altLang="en-US" dirty="0"/>
               <a:t>개 이상</a:t>
             </a:r>
-            <a:endParaRPr lang="ko-KR" altLang="en-US" dirty="0"/>
           </a:p>
         </p:txBody>
       </p:sp>
@@ -4824,10 +4916,9 @@
           <a:p>
             <a:pPr algn="ctr"/>
             <a:r>
-              <a:rPr lang="ko-KR" altLang="en-US" dirty="0" smtClean="0"/>
+              <a:rPr lang="ko-KR" altLang="en-US" dirty="0"/>
               <a:t>메뉴 창 누르면 나와야 함</a:t>
             </a:r>
-            <a:endParaRPr lang="ko-KR" altLang="en-US" dirty="0"/>
           </a:p>
         </p:txBody>
       </p:sp>
@@ -4873,26 +4964,25 @@
           <a:p>
             <a:pPr algn="ctr"/>
             <a:r>
-              <a:rPr lang="ko-KR" altLang="en-US" dirty="0" smtClean="0"/>
+              <a:rPr lang="ko-KR" altLang="en-US" dirty="0"/>
               <a:t>이런 식으로 </a:t>
             </a:r>
             <a:r>
-              <a:rPr lang="ko-KR" altLang="en-US" dirty="0" err="1" smtClean="0"/>
+              <a:rPr lang="ko-KR" altLang="en-US" dirty="0" err="1"/>
               <a:t>마커</a:t>
             </a:r>
             <a:r>
-              <a:rPr lang="ko-KR" altLang="en-US" dirty="0" smtClean="0"/>
+              <a:rPr lang="ko-KR" altLang="en-US" dirty="0"/>
               <a:t> </a:t>
             </a:r>
             <a:r>
-              <a:rPr lang="ko-KR" altLang="en-US" dirty="0" err="1" smtClean="0"/>
+              <a:rPr lang="ko-KR" altLang="en-US" dirty="0" err="1"/>
               <a:t>설명란</a:t>
             </a:r>
             <a:r>
-              <a:rPr lang="ko-KR" altLang="en-US" dirty="0" smtClean="0"/>
+              <a:rPr lang="ko-KR" altLang="en-US" dirty="0"/>
               <a:t> </a:t>
             </a:r>
-            <a:endParaRPr lang="ko-KR" altLang="en-US" dirty="0"/>
           </a:p>
         </p:txBody>
       </p:sp>
@@ -5507,35 +5597,35 @@
           <a:p>
             <a:pPr algn="ctr"/>
             <a:r>
-              <a:rPr lang="ko-KR" altLang="en-US" dirty="0" smtClean="0"/>
+              <a:rPr lang="ko-KR" altLang="en-US" dirty="0"/>
               <a:t>약국 이름</a:t>
             </a:r>
-            <a:endParaRPr lang="en-US" altLang="ko-KR" dirty="0" smtClean="0"/>
+            <a:endParaRPr lang="en-US" altLang="ko-KR" dirty="0"/>
           </a:p>
           <a:p>
             <a:pPr algn="ctr"/>
             <a:r>
-              <a:rPr lang="ko-KR" altLang="en-US" dirty="0" smtClean="0"/>
+              <a:rPr lang="ko-KR" altLang="en-US" dirty="0"/>
               <a:t>재고</a:t>
             </a:r>
-            <a:endParaRPr lang="en-US" altLang="ko-KR" dirty="0" smtClean="0"/>
+            <a:endParaRPr lang="en-US" altLang="ko-KR" dirty="0"/>
           </a:p>
           <a:p>
             <a:pPr algn="ctr"/>
             <a:r>
-              <a:rPr lang="ko-KR" altLang="en-US" dirty="0" smtClean="0"/>
+              <a:rPr lang="ko-KR" altLang="en-US" dirty="0"/>
               <a:t>업데이트 시각</a:t>
             </a:r>
-            <a:endParaRPr lang="en-US" altLang="ko-KR" dirty="0" smtClean="0"/>
+            <a:endParaRPr lang="en-US" altLang="ko-KR" dirty="0"/>
           </a:p>
           <a:p>
             <a:pPr algn="ctr"/>
             <a:r>
-              <a:rPr lang="ko-KR" altLang="en-US" dirty="0" smtClean="0"/>
+              <a:rPr lang="ko-KR" altLang="en-US" dirty="0"/>
               <a:t>매장 운영 시각</a:t>
             </a:r>
             <a:r>
-              <a:rPr lang="en-US" altLang="ko-KR" dirty="0" smtClean="0"/>
+              <a:rPr lang="en-US" altLang="ko-KR" dirty="0"/>
               <a:t>(?)</a:t>
             </a:r>
             <a:endParaRPr lang="ko-KR" altLang="en-US" dirty="0"/>
@@ -5584,11 +5674,11 @@
           <a:p>
             <a:pPr algn="ctr"/>
             <a:r>
-              <a:rPr lang="ko-KR" altLang="en-US" dirty="0" smtClean="0"/>
+              <a:rPr lang="ko-KR" altLang="en-US" dirty="0"/>
               <a:t>약국 </a:t>
             </a:r>
             <a:r>
-              <a:rPr lang="ko-KR" altLang="en-US" dirty="0" err="1" smtClean="0"/>
+              <a:rPr lang="ko-KR" altLang="en-US" dirty="0" err="1"/>
               <a:t>마커</a:t>
             </a:r>
             <a:endParaRPr lang="en-US" altLang="ko-KR" dirty="0"/>
@@ -5596,18 +5686,17 @@
           <a:p>
             <a:pPr algn="ctr"/>
             <a:r>
-              <a:rPr lang="ko-KR" altLang="en-US" dirty="0" smtClean="0"/>
+              <a:rPr lang="ko-KR" altLang="en-US" dirty="0"/>
               <a:t>클릭 시 </a:t>
             </a:r>
             <a:r>
-              <a:rPr lang="ko-KR" altLang="en-US" dirty="0" err="1" smtClean="0"/>
+              <a:rPr lang="ko-KR" altLang="en-US" dirty="0" err="1"/>
               <a:t>정보창</a:t>
             </a:r>
             <a:r>
-              <a:rPr lang="ko-KR" altLang="en-US" dirty="0" smtClean="0"/>
+              <a:rPr lang="ko-KR" altLang="en-US" dirty="0"/>
               <a:t> 띄우기</a:t>
             </a:r>
-            <a:endParaRPr lang="ko-KR" altLang="en-US" dirty="0"/>
           </a:p>
         </p:txBody>
       </p:sp>
@@ -5664,10 +5753,9 @@
           <a:lstStyle/>
           <a:p>
             <a:r>
-              <a:rPr lang="ko-KR" altLang="en-US" dirty="0" smtClean="0"/>
+              <a:rPr lang="ko-KR" altLang="en-US" dirty="0"/>
               <a:t>페이지 별 기능</a:t>
             </a:r>
-            <a:endParaRPr lang="ko-KR" altLang="en-US" dirty="0"/>
           </a:p>
         </p:txBody>
       </p:sp>
@@ -5694,15 +5782,15 @@
           <a:lstStyle/>
           <a:p>
             <a:r>
-              <a:rPr lang="en-US" altLang="ko-KR" dirty="0" smtClean="0"/>
+              <a:rPr lang="en-US" altLang="ko-KR" dirty="0"/>
               <a:t>3-2 </a:t>
             </a:r>
             <a:r>
-              <a:rPr lang="ko-KR" altLang="en-US" dirty="0" smtClean="0"/>
+              <a:rPr lang="ko-KR" altLang="en-US" dirty="0"/>
               <a:t>거리 별 약국 리스트</a:t>
             </a:r>
             <a:r>
-              <a:rPr lang="en-US" altLang="ko-KR" dirty="0" smtClean="0"/>
+              <a:rPr lang="en-US" altLang="ko-KR" dirty="0"/>
               <a:t>.</a:t>
             </a:r>
             <a:endParaRPr lang="ko-KR" altLang="en-US" dirty="0"/>
@@ -5744,7 +5832,7 @@
           <a:p>
             <a:pPr algn="ctr"/>
             <a:r>
-              <a:rPr lang="ko-KR" altLang="en-US" dirty="0" err="1" smtClean="0"/>
+              <a:rPr lang="ko-KR" altLang="en-US" dirty="0" err="1"/>
               <a:t>메뉴창</a:t>
             </a:r>
             <a:endParaRPr lang="ko-KR" altLang="en-US" dirty="0"/>
@@ -5793,10 +5881,9 @@
           <a:p>
             <a:pPr algn="ctr"/>
             <a:r>
-              <a:rPr lang="ko-KR" altLang="en-US" dirty="0" smtClean="0"/>
+              <a:rPr lang="ko-KR" altLang="en-US" dirty="0"/>
               <a:t>메뉴 창 누르면 나와야 함</a:t>
             </a:r>
-            <a:endParaRPr lang="ko-KR" altLang="en-US" dirty="0"/>
           </a:p>
         </p:txBody>
       </p:sp>
@@ -5869,10 +5956,9 @@
                     <a:p>
                       <a:pPr latinLnBrk="1"/>
                       <a:r>
-                        <a:rPr lang="ko-KR" altLang="en-US" dirty="0" smtClean="0"/>
+                        <a:rPr lang="ko-KR" altLang="en-US" dirty="0"/>
                         <a:t>약국 이름</a:t>
                       </a:r>
-                      <a:endParaRPr lang="ko-KR" altLang="en-US" dirty="0"/>
                     </a:p>
                   </a:txBody>
                   <a:tcPr/>
@@ -5884,10 +5970,9 @@
                     <a:p>
                       <a:pPr latinLnBrk="1"/>
                       <a:r>
-                        <a:rPr lang="ko-KR" altLang="en-US" dirty="0" smtClean="0"/>
+                        <a:rPr lang="ko-KR" altLang="en-US" dirty="0"/>
                         <a:t>재고</a:t>
                       </a:r>
-                      <a:endParaRPr lang="ko-KR" altLang="en-US" dirty="0"/>
                     </a:p>
                   </a:txBody>
                   <a:tcPr/>
@@ -5899,10 +5984,9 @@
                     <a:p>
                       <a:pPr latinLnBrk="1"/>
                       <a:r>
-                        <a:rPr lang="ko-KR" altLang="en-US" dirty="0" smtClean="0"/>
+                        <a:rPr lang="ko-KR" altLang="en-US" dirty="0"/>
                         <a:t>업데이트 시각</a:t>
                       </a:r>
-                      <a:endParaRPr lang="ko-KR" altLang="en-US" dirty="0"/>
                     </a:p>
                   </a:txBody>
                   <a:tcPr/>
@@ -5914,10 +5998,9 @@
                     <a:p>
                       <a:pPr latinLnBrk="1"/>
                       <a:r>
-                        <a:rPr lang="ko-KR" altLang="en-US" dirty="0" smtClean="0"/>
+                        <a:rPr lang="ko-KR" altLang="en-US" dirty="0"/>
                         <a:t>운영 시간</a:t>
                       </a:r>
-                      <a:endParaRPr lang="ko-KR" altLang="en-US" dirty="0"/>
                     </a:p>
                   </a:txBody>
                   <a:tcPr/>
@@ -5929,7 +6012,7 @@
                     <a:p>
                       <a:pPr latinLnBrk="1"/>
                       <a:r>
-                        <a:rPr lang="ko-KR" altLang="en-US" dirty="0" err="1" smtClean="0"/>
+                        <a:rPr lang="ko-KR" altLang="en-US" dirty="0" err="1"/>
                         <a:t>길찾기</a:t>
                       </a:r>
                       <a:endParaRPr lang="ko-KR" altLang="en-US" dirty="0"/>
@@ -5951,7 +6034,7 @@
                     <a:p>
                       <a:pPr latinLnBrk="1"/>
                       <a:r>
-                        <a:rPr lang="en-US" altLang="ko-KR" dirty="0" smtClean="0"/>
+                        <a:rPr lang="en-US" altLang="ko-KR" dirty="0"/>
                         <a:t>A</a:t>
                       </a:r>
                       <a:endParaRPr lang="ko-KR" altLang="en-US" dirty="0"/>
@@ -6017,7 +6100,7 @@
                     <a:p>
                       <a:pPr latinLnBrk="1"/>
                       <a:r>
-                        <a:rPr lang="en-US" altLang="ko-KR" dirty="0" smtClean="0"/>
+                        <a:rPr lang="en-US" altLang="ko-KR" dirty="0"/>
                         <a:t>B</a:t>
                       </a:r>
                       <a:endParaRPr lang="ko-KR" altLang="en-US" dirty="0"/>
@@ -6083,7 +6166,7 @@
                     <a:p>
                       <a:pPr latinLnBrk="1"/>
                       <a:r>
-                        <a:rPr lang="en-US" altLang="ko-KR" dirty="0" smtClean="0"/>
+                        <a:rPr lang="en-US" altLang="ko-KR" dirty="0"/>
                         <a:t>C</a:t>
                       </a:r>
                       <a:endParaRPr lang="ko-KR" altLang="en-US" dirty="0"/>
@@ -6149,7 +6232,7 @@
                     <a:p>
                       <a:pPr latinLnBrk="1"/>
                       <a:r>
-                        <a:rPr lang="en-US" altLang="ko-KR" dirty="0" smtClean="0"/>
+                        <a:rPr lang="en-US" altLang="ko-KR" dirty="0"/>
                         <a:t>D</a:t>
                       </a:r>
                       <a:endParaRPr lang="ko-KR" altLang="en-US" dirty="0"/>
@@ -6215,7 +6298,7 @@
                     <a:p>
                       <a:pPr latinLnBrk="1"/>
                       <a:r>
-                        <a:rPr lang="en-US" altLang="ko-KR" dirty="0" smtClean="0"/>
+                        <a:rPr lang="en-US" altLang="ko-KR" dirty="0"/>
                         <a:t>E</a:t>
                       </a:r>
                       <a:endParaRPr lang="ko-KR" altLang="en-US" dirty="0"/>
@@ -6281,7 +6364,7 @@
                     <a:p>
                       <a:pPr latinLnBrk="1"/>
                       <a:r>
-                        <a:rPr lang="en-US" altLang="ko-KR" dirty="0" smtClean="0"/>
+                        <a:rPr lang="en-US" altLang="ko-KR" dirty="0"/>
                         <a:t>F</a:t>
                       </a:r>
                       <a:endParaRPr lang="ko-KR" altLang="en-US" dirty="0"/>
@@ -6347,7 +6430,7 @@
                     <a:p>
                       <a:pPr latinLnBrk="1"/>
                       <a:r>
-                        <a:rPr lang="en-US" altLang="ko-KR" dirty="0" smtClean="0"/>
+                        <a:rPr lang="en-US" altLang="ko-KR" dirty="0"/>
                         <a:t>G</a:t>
                       </a:r>
                       <a:endParaRPr lang="ko-KR" altLang="en-US" dirty="0"/>
@@ -6451,33 +6534,32 @@
           <a:p>
             <a:pPr algn="ctr"/>
             <a:r>
-              <a:rPr lang="en-US" altLang="ko-KR" dirty="0" smtClean="0"/>
+              <a:rPr lang="en-US" altLang="ko-KR" dirty="0"/>
               <a:t>3-1</a:t>
             </a:r>
             <a:r>
-              <a:rPr lang="ko-KR" altLang="en-US" dirty="0" smtClean="0"/>
+              <a:rPr lang="ko-KR" altLang="en-US" dirty="0"/>
               <a:t>과 이어져 있음</a:t>
             </a:r>
             <a:r>
-              <a:rPr lang="en-US" altLang="ko-KR" dirty="0" smtClean="0"/>
+              <a:rPr lang="en-US" altLang="ko-KR" dirty="0"/>
               <a:t>. </a:t>
             </a:r>
           </a:p>
           <a:p>
             <a:pPr algn="ctr"/>
             <a:r>
-              <a:rPr lang="ko-KR" altLang="en-US" dirty="0" smtClean="0"/>
+              <a:rPr lang="ko-KR" altLang="en-US" dirty="0"/>
               <a:t>아래로 스크롤 시 </a:t>
             </a:r>
             <a:r>
-              <a:rPr lang="en-US" altLang="ko-KR" dirty="0" smtClean="0"/>
+              <a:rPr lang="en-US" altLang="ko-KR" dirty="0"/>
               <a:t>3-2 </a:t>
             </a:r>
             <a:r>
-              <a:rPr lang="ko-KR" altLang="en-US" dirty="0" smtClean="0"/>
+              <a:rPr lang="ko-KR" altLang="en-US" dirty="0"/>
               <a:t>등장</a:t>
             </a:r>
-            <a:endParaRPr lang="ko-KR" altLang="en-US" dirty="0"/>
           </a:p>
         </p:txBody>
       </p:sp>
@@ -6534,10 +6616,9 @@
           <a:lstStyle/>
           <a:p>
             <a:r>
-              <a:rPr lang="ko-KR" altLang="en-US" dirty="0" smtClean="0"/>
+              <a:rPr lang="ko-KR" altLang="en-US" dirty="0"/>
               <a:t>페이지 별 기능</a:t>
             </a:r>
-            <a:endParaRPr lang="ko-KR" altLang="en-US" dirty="0"/>
           </a:p>
         </p:txBody>
       </p:sp>
@@ -6564,18 +6645,17 @@
           <a:lstStyle/>
           <a:p>
             <a:r>
-              <a:rPr lang="en-US" altLang="ko-KR" dirty="0" smtClean="0"/>
+              <a:rPr lang="en-US" altLang="ko-KR" dirty="0"/>
               <a:t>4 </a:t>
             </a:r>
             <a:r>
-              <a:rPr lang="ko-KR" altLang="en-US" dirty="0" err="1" smtClean="0"/>
+              <a:rPr lang="ko-KR" altLang="en-US" dirty="0" err="1"/>
               <a:t>기부처</a:t>
             </a:r>
             <a:r>
-              <a:rPr lang="ko-KR" altLang="en-US" dirty="0" smtClean="0"/>
+              <a:rPr lang="ko-KR" altLang="en-US" dirty="0"/>
               <a:t> 리스트</a:t>
             </a:r>
-            <a:endParaRPr lang="ko-KR" altLang="en-US" dirty="0"/>
           </a:p>
         </p:txBody>
       </p:sp>
@@ -6614,7 +6694,7 @@
           <a:p>
             <a:pPr algn="ctr"/>
             <a:r>
-              <a:rPr lang="ko-KR" altLang="en-US" dirty="0" err="1" smtClean="0"/>
+              <a:rPr lang="ko-KR" altLang="en-US" dirty="0" err="1"/>
               <a:t>메뉴창</a:t>
             </a:r>
             <a:endParaRPr lang="ko-KR" altLang="en-US" dirty="0"/>
@@ -6663,10 +6743,9 @@
           <a:p>
             <a:pPr algn="ctr"/>
             <a:r>
-              <a:rPr lang="ko-KR" altLang="en-US" dirty="0" smtClean="0"/>
+              <a:rPr lang="ko-KR" altLang="en-US" dirty="0"/>
               <a:t>메뉴 창 누르면 나와야 함</a:t>
             </a:r>
-            <a:endParaRPr lang="ko-KR" altLang="en-US" dirty="0"/>
           </a:p>
         </p:txBody>
       </p:sp>
@@ -6725,14 +6804,13 @@
                     <a:p>
                       <a:pPr latinLnBrk="1"/>
                       <a:r>
-                        <a:rPr lang="ko-KR" altLang="en-US" dirty="0" err="1" smtClean="0"/>
+                        <a:rPr lang="ko-KR" altLang="en-US" dirty="0" err="1"/>
                         <a:t>기부처</a:t>
                       </a:r>
                       <a:r>
-                        <a:rPr lang="ko-KR" altLang="en-US" dirty="0" smtClean="0"/>
+                        <a:rPr lang="ko-KR" altLang="en-US" dirty="0"/>
                         <a:t> 이름</a:t>
                       </a:r>
-                      <a:endParaRPr lang="ko-KR" altLang="en-US" dirty="0"/>
                     </a:p>
                   </a:txBody>
                   <a:tcPr/>
@@ -6744,10 +6822,9 @@
                     <a:p>
                       <a:pPr latinLnBrk="1"/>
                       <a:r>
-                        <a:rPr lang="ko-KR" altLang="en-US" dirty="0" smtClean="0"/>
+                        <a:rPr lang="ko-KR" altLang="en-US" dirty="0"/>
                         <a:t>기부 대상자</a:t>
                       </a:r>
-                      <a:endParaRPr lang="ko-KR" altLang="en-US" dirty="0"/>
                     </a:p>
                   </a:txBody>
                   <a:tcPr/>
@@ -6759,10 +6836,9 @@
                     <a:p>
                       <a:pPr latinLnBrk="1"/>
                       <a:r>
-                        <a:rPr lang="ko-KR" altLang="en-US" dirty="0" smtClean="0"/>
+                        <a:rPr lang="ko-KR" altLang="en-US" dirty="0"/>
                         <a:t>관련 사이트</a:t>
                       </a:r>
-                      <a:endParaRPr lang="ko-KR" altLang="en-US" dirty="0"/>
                     </a:p>
                   </a:txBody>
                   <a:tcPr/>
@@ -7092,30 +7168,30 @@
           <a:p>
             <a:pPr algn="ctr"/>
             <a:r>
-              <a:rPr lang="ko-KR" altLang="en-US" dirty="0" smtClean="0"/>
+              <a:rPr lang="ko-KR" altLang="en-US" dirty="0"/>
               <a:t>표의 형태로 구성하면</a:t>
             </a:r>
-            <a:endParaRPr lang="en-US" altLang="ko-KR" dirty="0" smtClean="0"/>
+            <a:endParaRPr lang="en-US" altLang="ko-KR" dirty="0"/>
           </a:p>
           <a:p>
             <a:pPr algn="ctr"/>
             <a:r>
-              <a:rPr lang="ko-KR" altLang="en-US" dirty="0" smtClean="0"/>
+              <a:rPr lang="ko-KR" altLang="en-US" dirty="0"/>
               <a:t>어떨까 해서 만들어 봤습니다</a:t>
             </a:r>
             <a:r>
-              <a:rPr lang="en-US" altLang="ko-KR" dirty="0" smtClean="0"/>
+              <a:rPr lang="en-US" altLang="ko-KR" dirty="0"/>
               <a:t>.</a:t>
             </a:r>
           </a:p>
           <a:p>
             <a:pPr algn="ctr"/>
             <a:r>
-              <a:rPr lang="ko-KR" altLang="en-US" dirty="0" smtClean="0"/>
+              <a:rPr lang="ko-KR" altLang="en-US" dirty="0"/>
               <a:t>다르게 만드셔도 됩니다</a:t>
             </a:r>
             <a:r>
-              <a:rPr lang="en-US" altLang="ko-KR" dirty="0" smtClean="0"/>
+              <a:rPr lang="en-US" altLang="ko-KR" dirty="0"/>
               <a:t>.</a:t>
             </a:r>
           </a:p>
@@ -7174,10 +7250,9 @@
           <a:lstStyle/>
           <a:p>
             <a:r>
-              <a:rPr lang="ko-KR" altLang="en-US" dirty="0" smtClean="0"/>
+              <a:rPr lang="ko-KR" altLang="en-US" dirty="0"/>
               <a:t>페이지 별 기능</a:t>
             </a:r>
-            <a:endParaRPr lang="ko-KR" altLang="en-US" dirty="0"/>
           </a:p>
         </p:txBody>
       </p:sp>
@@ -7204,14 +7279,13 @@
           <a:lstStyle/>
           <a:p>
             <a:r>
-              <a:rPr lang="en-US" altLang="ko-KR" dirty="0" smtClean="0"/>
+              <a:rPr lang="en-US" altLang="ko-KR" dirty="0"/>
               <a:t>5. </a:t>
             </a:r>
             <a:r>
-              <a:rPr lang="ko-KR" altLang="en-US" dirty="0" smtClean="0"/>
+              <a:rPr lang="ko-KR" altLang="en-US" dirty="0"/>
               <a:t>코로나 기본 지식</a:t>
             </a:r>
-            <a:endParaRPr lang="ko-KR" altLang="en-US" dirty="0"/>
           </a:p>
         </p:txBody>
       </p:sp>
@@ -7250,7 +7324,7 @@
           <a:p>
             <a:pPr algn="ctr"/>
             <a:r>
-              <a:rPr lang="ko-KR" altLang="en-US" dirty="0" err="1" smtClean="0"/>
+              <a:rPr lang="ko-KR" altLang="en-US" dirty="0" err="1"/>
               <a:t>메뉴창</a:t>
             </a:r>
             <a:endParaRPr lang="ko-KR" altLang="en-US" dirty="0"/>
@@ -7299,10 +7373,9 @@
           <a:p>
             <a:pPr algn="ctr"/>
             <a:r>
-              <a:rPr lang="ko-KR" altLang="en-US" dirty="0" smtClean="0"/>
+              <a:rPr lang="ko-KR" altLang="en-US" dirty="0"/>
               <a:t>메뉴 창 누르면 나와야 함</a:t>
             </a:r>
-            <a:endParaRPr lang="ko-KR" altLang="en-US" dirty="0"/>
           </a:p>
         </p:txBody>
       </p:sp>
